--- a/Getting_started.pptx
+++ b/Getting_started.pptx
@@ -10,7 +10,8 @@
     <p:sldId id="348" r:id="rId4"/>
     <p:sldId id="349" r:id="rId5"/>
     <p:sldId id="261" r:id="rId6"/>
-    <p:sldId id="323" r:id="rId7"/>
+    <p:sldId id="350" r:id="rId7"/>
+    <p:sldId id="323" r:id="rId8"/>
   </p:sldIdLst>
   <p:sldSz cx="12192000" cy="6858000"/>
   <p:notesSz cx="6858000" cy="9144000"/>
@@ -4553,6 +4554,181 @@
           <p:cNvPr id="2" name="Title 1">
             <a:extLst>
               <a:ext uri="{FF2B5EF4-FFF2-40B4-BE49-F238E27FC236}">
+                <a16:creationId xmlns:a16="http://schemas.microsoft.com/office/drawing/2014/main" id="{A37BBE99-2ED5-4489-9664-E7D3625E666A}"/>
+              </a:ext>
+            </a:extLst>
+          </p:cNvPr>
+          <p:cNvSpPr>
+            <a:spLocks noGrp="1"/>
+          </p:cNvSpPr>
+          <p:nvPr>
+            <p:ph type="title"/>
+          </p:nvPr>
+        </p:nvSpPr>
+        <p:spPr>
+          <a:xfrm>
+            <a:off x="0" y="-41275"/>
+            <a:ext cx="10515600" cy="1325563"/>
+          </a:xfrm>
+        </p:spPr>
+        <p:txBody>
+          <a:bodyPr/>
+          <a:lstStyle/>
+          <a:p>
+            <a:pPr algn="ctr"/>
+            <a:r>
+              <a:rPr lang="en-GB" dirty="0">
+                <a:solidFill>
+                  <a:srgbClr val="7030A0"/>
+                </a:solidFill>
+              </a:rPr>
+              <a:t>QUICK start: copy paste</a:t>
+            </a:r>
+          </a:p>
+        </p:txBody>
+      </p:sp>
+      <p:pic>
+        <p:nvPicPr>
+          <p:cNvPr id="6" name="Picture 5">
+            <a:extLst>
+              <a:ext uri="{FF2B5EF4-FFF2-40B4-BE49-F238E27FC236}">
+                <a16:creationId xmlns:a16="http://schemas.microsoft.com/office/drawing/2014/main" id="{5B89CF43-A6BF-43C9-980E-80A256D1B5CD}"/>
+              </a:ext>
+            </a:extLst>
+          </p:cNvPr>
+          <p:cNvPicPr>
+            <a:picLocks noChangeAspect="1"/>
+          </p:cNvPicPr>
+          <p:nvPr/>
+        </p:nvPicPr>
+        <p:blipFill rotWithShape="1">
+          <a:blip r:embed="rId2"/>
+          <a:srcRect l="35667" t="67111" r="28751" b="23111"/>
+          <a:stretch/>
+        </p:blipFill>
+        <p:spPr>
+          <a:xfrm>
+            <a:off x="1361440" y="2292670"/>
+            <a:ext cx="6786880" cy="1049026"/>
+          </a:xfrm>
+          <a:prstGeom prst="rect">
+            <a:avLst/>
+          </a:prstGeom>
+        </p:spPr>
+      </p:pic>
+      <p:sp>
+        <p:nvSpPr>
+          <p:cNvPr id="8" name="TextBox 7">
+            <a:extLst>
+              <a:ext uri="{FF2B5EF4-FFF2-40B4-BE49-F238E27FC236}">
+                <a16:creationId xmlns:a16="http://schemas.microsoft.com/office/drawing/2014/main" id="{B7EAC373-F1BB-45F1-9DDE-1F4ED2EA122A}"/>
+              </a:ext>
+            </a:extLst>
+          </p:cNvPr>
+          <p:cNvSpPr txBox="1"/>
+          <p:nvPr/>
+        </p:nvSpPr>
+        <p:spPr>
+          <a:xfrm>
+            <a:off x="772160" y="1381760"/>
+            <a:ext cx="9042400" cy="646331"/>
+          </a:xfrm>
+          <a:prstGeom prst="rect">
+            <a:avLst/>
+          </a:prstGeom>
+          <a:noFill/>
+        </p:spPr>
+        <p:txBody>
+          <a:bodyPr wrap="square" rtlCol="0">
+            <a:spAutoFit/>
+          </a:bodyPr>
+          <a:lstStyle/>
+          <a:p>
+            <a:r>
+              <a:rPr lang="en-GB" b="1" dirty="0"/>
+              <a:t>Copy: </a:t>
+            </a:r>
+            <a:r>
+              <a:rPr lang="en-GB" dirty="0"/>
+              <a:t>If you highlight (drag over, or double click) something in a terminal – this is now copied to your clipboard. </a:t>
+            </a:r>
+          </a:p>
+        </p:txBody>
+      </p:sp>
+      <p:sp>
+        <p:nvSpPr>
+          <p:cNvPr id="9" name="TextBox 8">
+            <a:extLst>
+              <a:ext uri="{FF2B5EF4-FFF2-40B4-BE49-F238E27FC236}">
+                <a16:creationId xmlns:a16="http://schemas.microsoft.com/office/drawing/2014/main" id="{D9EDE81A-ABB7-4434-85DC-632DC47DCA49}"/>
+              </a:ext>
+            </a:extLst>
+          </p:cNvPr>
+          <p:cNvSpPr txBox="1"/>
+          <p:nvPr/>
+        </p:nvSpPr>
+        <p:spPr>
+          <a:xfrm>
+            <a:off x="736600" y="3779520"/>
+            <a:ext cx="9042400" cy="646331"/>
+          </a:xfrm>
+          <a:prstGeom prst="rect">
+            <a:avLst/>
+          </a:prstGeom>
+          <a:noFill/>
+        </p:spPr>
+        <p:txBody>
+          <a:bodyPr wrap="square" rtlCol="0">
+            <a:spAutoFit/>
+          </a:bodyPr>
+          <a:lstStyle/>
+          <a:p>
+            <a:r>
+              <a:rPr lang="en-GB" b="1" dirty="0"/>
+              <a:t>Paste: </a:t>
+            </a:r>
+            <a:r>
+              <a:rPr lang="en-GB" dirty="0"/>
+              <a:t>this is different for different programs. But Right click, or the middle button on a mouse…</a:t>
+            </a:r>
+          </a:p>
+        </p:txBody>
+      </p:sp>
+    </p:spTree>
+    <p:extLst>
+      <p:ext uri="{BB962C8B-B14F-4D97-AF65-F5344CB8AC3E}">
+        <p14:creationId xmlns:p14="http://schemas.microsoft.com/office/powerpoint/2010/main" val="3966222902"/>
+      </p:ext>
+    </p:extLst>
+  </p:cSld>
+  <p:clrMapOvr>
+    <a:masterClrMapping/>
+  </p:clrMapOvr>
+</p:sld>
+</file>
+
+<file path=ppt/slides/slide7.xml><?xml version="1.0" encoding="utf-8"?>
+<p:sld xmlns:a="http://schemas.openxmlformats.org/drawingml/2006/main" xmlns:r="http://schemas.openxmlformats.org/officeDocument/2006/relationships" xmlns:p="http://schemas.openxmlformats.org/presentationml/2006/main">
+  <p:cSld>
+    <p:spTree>
+      <p:nvGrpSpPr>
+        <p:cNvPr id="1" name=""/>
+        <p:cNvGrpSpPr/>
+        <p:nvPr/>
+      </p:nvGrpSpPr>
+      <p:grpSpPr>
+        <a:xfrm>
+          <a:off x="0" y="0"/>
+          <a:ext cx="0" cy="0"/>
+          <a:chOff x="0" y="0"/>
+          <a:chExt cx="0" cy="0"/>
+        </a:xfrm>
+      </p:grpSpPr>
+      <p:sp>
+        <p:nvSpPr>
+          <p:cNvPr id="2" name="Title 1">
+            <a:extLst>
+              <a:ext uri="{FF2B5EF4-FFF2-40B4-BE49-F238E27FC236}">
                 <a16:creationId xmlns:a16="http://schemas.microsoft.com/office/drawing/2014/main" id="{CAE0D78F-EB18-4D9F-8F21-7D3FFEDBB021}"/>
               </a:ext>
             </a:extLst>
@@ -4620,6 +4796,22 @@
           <a:bodyPr/>
           <a:lstStyle/>
           <a:p>
+            <a:endParaRPr lang="en-GB" dirty="0">
+              <a:solidFill>
+                <a:srgbClr val="FF0000"/>
+              </a:solidFill>
+            </a:endParaRPr>
+          </a:p>
+          <a:p>
+            <a:r>
+              <a:rPr lang="en-GB" dirty="0"/>
+              <a:t>Paste the following into the terminal to copy all the data to your home directory.</a:t>
+            </a:r>
+          </a:p>
+          <a:p>
+            <a:pPr marL="0" indent="0">
+              <a:buNone/>
+            </a:pPr>
             <a:r>
               <a:rPr lang="en-GB" dirty="0">
                 <a:solidFill>

--- a/Getting_started.pptx
+++ b/Getting_started.pptx
@@ -12,6 +12,7 @@
     <p:sldId id="261" r:id="rId6"/>
     <p:sldId id="350" r:id="rId7"/>
     <p:sldId id="323" r:id="rId8"/>
+    <p:sldId id="351" r:id="rId9"/>
   </p:sldIdLst>
   <p:sldSz cx="12192000" cy="6858000"/>
   <p:notesSz cx="6858000" cy="9144000"/>
@@ -4915,6 +4916,258 @@
 </p:sld>
 </file>
 
+<file path=ppt/slides/slide8.xml><?xml version="1.0" encoding="utf-8"?>
+<p:sld xmlns:a="http://schemas.openxmlformats.org/drawingml/2006/main" xmlns:r="http://schemas.openxmlformats.org/officeDocument/2006/relationships" xmlns:p="http://schemas.openxmlformats.org/presentationml/2006/main">
+  <p:cSld>
+    <p:spTree>
+      <p:nvGrpSpPr>
+        <p:cNvPr id="1" name=""/>
+        <p:cNvGrpSpPr/>
+        <p:nvPr/>
+      </p:nvGrpSpPr>
+      <p:grpSpPr>
+        <a:xfrm>
+          <a:off x="0" y="0"/>
+          <a:ext cx="0" cy="0"/>
+          <a:chOff x="0" y="0"/>
+          <a:chExt cx="0" cy="0"/>
+        </a:xfrm>
+      </p:grpSpPr>
+      <p:sp>
+        <p:nvSpPr>
+          <p:cNvPr id="2" name="Title 1">
+            <a:extLst>
+              <a:ext uri="{FF2B5EF4-FFF2-40B4-BE49-F238E27FC236}">
+                <a16:creationId xmlns:a16="http://schemas.microsoft.com/office/drawing/2014/main" id="{CAE0D78F-EB18-4D9F-8F21-7D3FFEDBB021}"/>
+              </a:ext>
+            </a:extLst>
+          </p:cNvPr>
+          <p:cNvSpPr>
+            <a:spLocks noGrp="1"/>
+          </p:cNvSpPr>
+          <p:nvPr>
+            <p:ph type="title"/>
+          </p:nvPr>
+        </p:nvSpPr>
+        <p:spPr>
+          <a:xfrm>
+            <a:off x="64169" y="-142875"/>
+            <a:ext cx="11927962" cy="1325563"/>
+          </a:xfrm>
+        </p:spPr>
+        <p:txBody>
+          <a:bodyPr/>
+          <a:lstStyle/>
+          <a:p>
+            <a:pPr algn="ctr"/>
+            <a:r>
+              <a:rPr lang="en-GB" dirty="0">
+                <a:solidFill>
+                  <a:srgbClr val="7030A0"/>
+                </a:solidFill>
+              </a:rPr>
+              <a:t>Get some long jobs running</a:t>
+            </a:r>
+            <a:endParaRPr lang="en-US" dirty="0">
+              <a:solidFill>
+                <a:srgbClr val="7030A0"/>
+              </a:solidFill>
+            </a:endParaRPr>
+          </a:p>
+        </p:txBody>
+      </p:sp>
+      <p:sp>
+        <p:nvSpPr>
+          <p:cNvPr id="3" name="Content Placeholder 2">
+            <a:extLst>
+              <a:ext uri="{FF2B5EF4-FFF2-40B4-BE49-F238E27FC236}">
+                <a16:creationId xmlns:a16="http://schemas.microsoft.com/office/drawing/2014/main" id="{99AF5DBF-728C-4AEC-90F9-7A829A4BFA9F}"/>
+              </a:ext>
+            </a:extLst>
+          </p:cNvPr>
+          <p:cNvSpPr>
+            <a:spLocks noGrp="1"/>
+          </p:cNvSpPr>
+          <p:nvPr>
+            <p:ph idx="1"/>
+          </p:nvPr>
+        </p:nvSpPr>
+        <p:spPr>
+          <a:xfrm>
+            <a:off x="401052" y="1253331"/>
+            <a:ext cx="11404868" cy="4351338"/>
+          </a:xfrm>
+        </p:spPr>
+        <p:txBody>
+          <a:bodyPr/>
+          <a:lstStyle/>
+          <a:p>
+            <a:r>
+              <a:rPr lang="en-GB" dirty="0"/>
+              <a:t>Submit some jobs to the cluster. </a:t>
+            </a:r>
+          </a:p>
+          <a:p>
+            <a:r>
+              <a:rPr lang="en-GB" dirty="0">
+                <a:solidFill>
+                  <a:srgbClr val="FF0000"/>
+                </a:solidFill>
+              </a:rPr>
+              <a:t>cd </a:t>
+            </a:r>
+            <a:r>
+              <a:rPr lang="en-GB" dirty="0"/>
+              <a:t>into the </a:t>
+            </a:r>
+            <a:r>
+              <a:rPr lang="en-GB" dirty="0" err="1">
+                <a:solidFill>
+                  <a:srgbClr val="FF0000"/>
+                </a:solidFill>
+              </a:rPr>
+              <a:t>shell_scripts</a:t>
+            </a:r>
+            <a:r>
+              <a:rPr lang="en-GB" dirty="0">
+                <a:solidFill>
+                  <a:srgbClr val="FF0000"/>
+                </a:solidFill>
+              </a:rPr>
+              <a:t> </a:t>
+            </a:r>
+            <a:r>
+              <a:rPr lang="en-GB" dirty="0"/>
+              <a:t>folder  (</a:t>
+            </a:r>
+            <a:r>
+              <a:rPr lang="en-GB" u="sng" dirty="0"/>
+              <a:t>tab auto complete!!)</a:t>
+            </a:r>
+          </a:p>
+          <a:p>
+            <a:endParaRPr lang="en-GB" u="sng" dirty="0"/>
+          </a:p>
+          <a:p>
+            <a:pPr lvl="1"/>
+            <a:r>
+              <a:rPr lang="en-GB" dirty="0">
+                <a:solidFill>
+                  <a:srgbClr val="FF0000"/>
+                </a:solidFill>
+              </a:rPr>
+              <a:t>cd $HOME/</a:t>
+            </a:r>
+            <a:r>
+              <a:rPr lang="en-GB" dirty="0" err="1">
+                <a:solidFill>
+                  <a:srgbClr val="FF0000"/>
+                </a:solidFill>
+              </a:rPr>
+              <a:t>genome_assembly_workshop</a:t>
+            </a:r>
+            <a:r>
+              <a:rPr lang="en-GB" dirty="0">
+                <a:solidFill>
+                  <a:srgbClr val="FF0000"/>
+                </a:solidFill>
+              </a:rPr>
+              <a:t>/</a:t>
+            </a:r>
+            <a:r>
+              <a:rPr lang="en-GB" dirty="0" err="1">
+                <a:solidFill>
+                  <a:srgbClr val="FF0000"/>
+                </a:solidFill>
+              </a:rPr>
+              <a:t>shell_scripts</a:t>
+            </a:r>
+            <a:endParaRPr lang="en-GB" dirty="0">
+              <a:solidFill>
+                <a:srgbClr val="FF0000"/>
+              </a:solidFill>
+            </a:endParaRPr>
+          </a:p>
+          <a:p>
+            <a:pPr marL="0" indent="0">
+              <a:buNone/>
+            </a:pPr>
+            <a:r>
+              <a:rPr lang="en-GB" dirty="0"/>
+              <a:t>	</a:t>
+            </a:r>
+            <a:r>
+              <a:rPr lang="en-GB" dirty="0" err="1"/>
+              <a:t>conda</a:t>
+            </a:r>
+            <a:r>
+              <a:rPr lang="en-GB" dirty="0"/>
+              <a:t> activate </a:t>
+            </a:r>
+            <a:r>
+              <a:rPr lang="en-GB" dirty="0" err="1"/>
+              <a:t>unicyclerENV</a:t>
+            </a:r>
+            <a:endParaRPr lang="en-GB" dirty="0"/>
+          </a:p>
+          <a:p>
+            <a:pPr lvl="1"/>
+            <a:r>
+              <a:rPr lang="en-GB" dirty="0" err="1">
+                <a:solidFill>
+                  <a:srgbClr val="FF0000"/>
+                </a:solidFill>
+              </a:rPr>
+              <a:t>qsub</a:t>
+            </a:r>
+            <a:r>
+              <a:rPr lang="en-GB" dirty="0">
+                <a:solidFill>
+                  <a:srgbClr val="FF0000"/>
+                </a:solidFill>
+              </a:rPr>
+              <a:t> -V unicycler.sh</a:t>
+            </a:r>
+          </a:p>
+          <a:p>
+            <a:pPr lvl="1"/>
+            <a:r>
+              <a:rPr lang="en-GB" dirty="0" err="1">
+                <a:solidFill>
+                  <a:srgbClr val="FF0000"/>
+                </a:solidFill>
+              </a:rPr>
+              <a:t>qsub</a:t>
+            </a:r>
+            <a:r>
+              <a:rPr lang="en-GB" dirty="0">
+                <a:solidFill>
+                  <a:srgbClr val="FF0000"/>
+                </a:solidFill>
+              </a:rPr>
+              <a:t> -V spades.sh</a:t>
+            </a:r>
+            <a:endParaRPr lang="en-US" dirty="0">
+              <a:solidFill>
+                <a:srgbClr val="FF0000"/>
+              </a:solidFill>
+            </a:endParaRPr>
+          </a:p>
+        </p:txBody>
+      </p:sp>
+    </p:spTree>
+    <p:extLst>
+      <p:ext uri="{BB962C8B-B14F-4D97-AF65-F5344CB8AC3E}">
+        <p14:creationId xmlns:p14="http://schemas.microsoft.com/office/powerpoint/2010/main" val="178975013"/>
+      </p:ext>
+    </p:extLst>
+  </p:cSld>
+  <p:clrMapOvr>
+    <a:masterClrMapping/>
+  </p:clrMapOvr>
+</p:sld>
+</file>
+
 <file path=ppt/theme/theme1.xml><?xml version="1.0" encoding="utf-8"?>
 <a:theme xmlns:a="http://schemas.openxmlformats.org/drawingml/2006/main" name="Office Theme">
   <a:themeElements>

--- a/Getting_started.pptx
+++ b/Getting_started.pptx
@@ -268,7 +268,7 @@
           <a:p>
             <a:fld id="{DEABCE53-1D99-4BEE-AE28-D2367C4FBEC7}" type="datetimeFigureOut">
               <a:rPr lang="en-GB" smtClean="0"/>
-              <a:t>28/09/2020</a:t>
+              <a:t>05/10/2020</a:t>
             </a:fld>
             <a:endParaRPr lang="en-GB"/>
           </a:p>
@@ -468,7 +468,7 @@
           <a:p>
             <a:fld id="{DEABCE53-1D99-4BEE-AE28-D2367C4FBEC7}" type="datetimeFigureOut">
               <a:rPr lang="en-GB" smtClean="0"/>
-              <a:t>28/09/2020</a:t>
+              <a:t>05/10/2020</a:t>
             </a:fld>
             <a:endParaRPr lang="en-GB"/>
           </a:p>
@@ -678,7 +678,7 @@
           <a:p>
             <a:fld id="{DEABCE53-1D99-4BEE-AE28-D2367C4FBEC7}" type="datetimeFigureOut">
               <a:rPr lang="en-GB" smtClean="0"/>
-              <a:t>28/09/2020</a:t>
+              <a:t>05/10/2020</a:t>
             </a:fld>
             <a:endParaRPr lang="en-GB"/>
           </a:p>
@@ -878,7 +878,7 @@
           <a:p>
             <a:fld id="{DEABCE53-1D99-4BEE-AE28-D2367C4FBEC7}" type="datetimeFigureOut">
               <a:rPr lang="en-GB" smtClean="0"/>
-              <a:t>28/09/2020</a:t>
+              <a:t>05/10/2020</a:t>
             </a:fld>
             <a:endParaRPr lang="en-GB"/>
           </a:p>
@@ -1154,7 +1154,7 @@
           <a:p>
             <a:fld id="{DEABCE53-1D99-4BEE-AE28-D2367C4FBEC7}" type="datetimeFigureOut">
               <a:rPr lang="en-GB" smtClean="0"/>
-              <a:t>28/09/2020</a:t>
+              <a:t>05/10/2020</a:t>
             </a:fld>
             <a:endParaRPr lang="en-GB"/>
           </a:p>
@@ -1422,7 +1422,7 @@
           <a:p>
             <a:fld id="{DEABCE53-1D99-4BEE-AE28-D2367C4FBEC7}" type="datetimeFigureOut">
               <a:rPr lang="en-GB" smtClean="0"/>
-              <a:t>28/09/2020</a:t>
+              <a:t>05/10/2020</a:t>
             </a:fld>
             <a:endParaRPr lang="en-GB"/>
           </a:p>
@@ -1837,7 +1837,7 @@
           <a:p>
             <a:fld id="{DEABCE53-1D99-4BEE-AE28-D2367C4FBEC7}" type="datetimeFigureOut">
               <a:rPr lang="en-GB" smtClean="0"/>
-              <a:t>28/09/2020</a:t>
+              <a:t>05/10/2020</a:t>
             </a:fld>
             <a:endParaRPr lang="en-GB"/>
           </a:p>
@@ -1979,7 +1979,7 @@
           <a:p>
             <a:fld id="{DEABCE53-1D99-4BEE-AE28-D2367C4FBEC7}" type="datetimeFigureOut">
               <a:rPr lang="en-GB" smtClean="0"/>
-              <a:t>28/09/2020</a:t>
+              <a:t>05/10/2020</a:t>
             </a:fld>
             <a:endParaRPr lang="en-GB"/>
           </a:p>
@@ -2092,7 +2092,7 @@
           <a:p>
             <a:fld id="{DEABCE53-1D99-4BEE-AE28-D2367C4FBEC7}" type="datetimeFigureOut">
               <a:rPr lang="en-GB" smtClean="0"/>
-              <a:t>28/09/2020</a:t>
+              <a:t>05/10/2020</a:t>
             </a:fld>
             <a:endParaRPr lang="en-GB"/>
           </a:p>
@@ -2405,7 +2405,7 @@
           <a:p>
             <a:fld id="{DEABCE53-1D99-4BEE-AE28-D2367C4FBEC7}" type="datetimeFigureOut">
               <a:rPr lang="en-GB" smtClean="0"/>
-              <a:t>28/09/2020</a:t>
+              <a:t>05/10/2020</a:t>
             </a:fld>
             <a:endParaRPr lang="en-GB"/>
           </a:p>
@@ -2694,7 +2694,7 @@
           <a:p>
             <a:fld id="{DEABCE53-1D99-4BEE-AE28-D2367C4FBEC7}" type="datetimeFigureOut">
               <a:rPr lang="en-GB" smtClean="0"/>
-              <a:t>28/09/2020</a:t>
+              <a:t>05/10/2020</a:t>
             </a:fld>
             <a:endParaRPr lang="en-GB"/>
           </a:p>
@@ -2937,7 +2937,7 @@
           <a:p>
             <a:fld id="{DEABCE53-1D99-4BEE-AE28-D2367C4FBEC7}" type="datetimeFigureOut">
               <a:rPr lang="en-GB" smtClean="0"/>
-              <a:t>28/09/2020</a:t>
+              <a:t>05/10/2020</a:t>
             </a:fld>
             <a:endParaRPr lang="en-GB"/>
           </a:p>
@@ -4603,8 +4603,14 @@
           <p:nvPr/>
         </p:nvPicPr>
         <p:blipFill rotWithShape="1">
-          <a:blip r:embed="rId2"/>
-          <a:srcRect l="35667" t="67111" r="28751" b="23111"/>
+          <a:blip r:embed="rId2">
+            <a:extLst>
+              <a:ext uri="{28A0092B-C50C-407E-A947-70E740481C1C}">
+                <a14:useLocalDpi xmlns:a14="http://schemas.microsoft.com/office/drawing/2010/main" val="0"/>
+              </a:ext>
+            </a:extLst>
+          </a:blip>
+          <a:srcRect/>
           <a:stretch/>
         </p:blipFill>
         <p:spPr>
